--- a/Cherkesova_FSJ_Presentation_Report.pptx
+++ b/Cherkesova_FSJ_Presentation_Report.pptx
@@ -9,8 +9,9 @@
     <p:sldId id="257" r:id="rId3"/>
     <p:sldId id="258" r:id="rId4"/>
     <p:sldId id="259" r:id="rId5"/>
-    <p:sldId id="260" r:id="rId6"/>
+    <p:sldId id="263" r:id="rId6"/>
     <p:sldId id="261" r:id="rId7"/>
+    <p:sldId id="264" r:id="rId8"/>
   </p:sldIdLst>
   <p:sldSz cx="12192000" cy="6858000"/>
   <p:notesSz cx="6858000" cy="9144000"/>
@@ -264,7 +265,7 @@
           <a:p>
             <a:fld id="{775689E5-079D-453A-998C-16877596EAFA}" type="datetimeFigureOut">
               <a:rPr lang="ru-RU" smtClean="0"/>
-              <a:t>25.04.2023</a:t>
+              <a:t>27.04.2023</a:t>
             </a:fld>
             <a:endParaRPr lang="ru-RU"/>
           </a:p>
@@ -462,7 +463,7 @@
           <a:p>
             <a:fld id="{775689E5-079D-453A-998C-16877596EAFA}" type="datetimeFigureOut">
               <a:rPr lang="ru-RU" smtClean="0"/>
-              <a:t>25.04.2023</a:t>
+              <a:t>27.04.2023</a:t>
             </a:fld>
             <a:endParaRPr lang="ru-RU"/>
           </a:p>
@@ -670,7 +671,7 @@
           <a:p>
             <a:fld id="{775689E5-079D-453A-998C-16877596EAFA}" type="datetimeFigureOut">
               <a:rPr lang="ru-RU" smtClean="0"/>
-              <a:t>25.04.2023</a:t>
+              <a:t>27.04.2023</a:t>
             </a:fld>
             <a:endParaRPr lang="ru-RU"/>
           </a:p>
@@ -868,7 +869,7 @@
           <a:p>
             <a:fld id="{775689E5-079D-453A-998C-16877596EAFA}" type="datetimeFigureOut">
               <a:rPr lang="ru-RU" smtClean="0"/>
-              <a:t>25.04.2023</a:t>
+              <a:t>27.04.2023</a:t>
             </a:fld>
             <a:endParaRPr lang="ru-RU"/>
           </a:p>
@@ -1143,7 +1144,7 @@
           <a:p>
             <a:fld id="{775689E5-079D-453A-998C-16877596EAFA}" type="datetimeFigureOut">
               <a:rPr lang="ru-RU" smtClean="0"/>
-              <a:t>25.04.2023</a:t>
+              <a:t>27.04.2023</a:t>
             </a:fld>
             <a:endParaRPr lang="ru-RU"/>
           </a:p>
@@ -1408,7 +1409,7 @@
           <a:p>
             <a:fld id="{775689E5-079D-453A-998C-16877596EAFA}" type="datetimeFigureOut">
               <a:rPr lang="ru-RU" smtClean="0"/>
-              <a:t>25.04.2023</a:t>
+              <a:t>27.04.2023</a:t>
             </a:fld>
             <a:endParaRPr lang="ru-RU"/>
           </a:p>
@@ -1820,7 +1821,7 @@
           <a:p>
             <a:fld id="{775689E5-079D-453A-998C-16877596EAFA}" type="datetimeFigureOut">
               <a:rPr lang="ru-RU" smtClean="0"/>
-              <a:t>25.04.2023</a:t>
+              <a:t>27.04.2023</a:t>
             </a:fld>
             <a:endParaRPr lang="ru-RU"/>
           </a:p>
@@ -1961,7 +1962,7 @@
           <a:p>
             <a:fld id="{775689E5-079D-453A-998C-16877596EAFA}" type="datetimeFigureOut">
               <a:rPr lang="ru-RU" smtClean="0"/>
-              <a:t>25.04.2023</a:t>
+              <a:t>27.04.2023</a:t>
             </a:fld>
             <a:endParaRPr lang="ru-RU"/>
           </a:p>
@@ -2074,7 +2075,7 @@
           <a:p>
             <a:fld id="{775689E5-079D-453A-998C-16877596EAFA}" type="datetimeFigureOut">
               <a:rPr lang="ru-RU" smtClean="0"/>
-              <a:t>25.04.2023</a:t>
+              <a:t>27.04.2023</a:t>
             </a:fld>
             <a:endParaRPr lang="ru-RU"/>
           </a:p>
@@ -2385,7 +2386,7 @@
           <a:p>
             <a:fld id="{775689E5-079D-453A-998C-16877596EAFA}" type="datetimeFigureOut">
               <a:rPr lang="ru-RU" smtClean="0"/>
-              <a:t>25.04.2023</a:t>
+              <a:t>27.04.2023</a:t>
             </a:fld>
             <a:endParaRPr lang="ru-RU"/>
           </a:p>
@@ -2673,7 +2674,7 @@
           <a:p>
             <a:fld id="{775689E5-079D-453A-998C-16877596EAFA}" type="datetimeFigureOut">
               <a:rPr lang="ru-RU" smtClean="0"/>
-              <a:t>25.04.2023</a:t>
+              <a:t>27.04.2023</a:t>
             </a:fld>
             <a:endParaRPr lang="ru-RU"/>
           </a:p>
@@ -2914,7 +2915,7 @@
           <a:p>
             <a:fld id="{775689E5-079D-453A-998C-16877596EAFA}" type="datetimeFigureOut">
               <a:rPr lang="ru-RU" smtClean="0"/>
-              <a:t>25.04.2023</a:t>
+              <a:t>27.04.2023</a:t>
             </a:fld>
             <a:endParaRPr lang="ru-RU"/>
           </a:p>
@@ -3656,33 +3657,27 @@
         </p:nvSpPr>
         <p:spPr/>
         <p:txBody>
-          <a:bodyPr/>
-          <a:lstStyle/>
-          <a:p>
-            <a:r>
-              <a:rPr lang="ru-RU" dirty="0"/>
-              <a:t>Данный проект – веб-приложение-маркетплейс на фреймворке </a:t>
-            </a:r>
-            <a:r>
-              <a:rPr lang="en-US" dirty="0"/>
-              <a:t>Spring</a:t>
-            </a:r>
-            <a:r>
-              <a:rPr lang="ru-RU" dirty="0"/>
-              <a:t>.</a:t>
-            </a:r>
-          </a:p>
-          <a:p>
-            <a:r>
-              <a:rPr lang="ru-RU" dirty="0"/>
-              <a:t>Для реализации данной задачи нужно обеспечить следующий функционал:</a:t>
+          <a:bodyPr>
+            <a:normAutofit/>
+          </a:bodyPr>
+          <a:lstStyle/>
+          <a:p>
+            <a:r>
+              <a:rPr lang="ru-RU" dirty="0"/>
+              <a:t>Цель данного проекта – разработать веб-приложение-маркетплейс.</a:t>
+            </a:r>
+          </a:p>
+          <a:p>
+            <a:r>
+              <a:rPr lang="ru-RU" dirty="0"/>
+              <a:t>Для достижения данной цели поставлены задачи обеспечить следующий функционал:</a:t>
             </a:r>
             <a:br>
               <a:rPr lang="ru-RU" dirty="0"/>
             </a:br>
             <a:r>
               <a:rPr lang="ru-RU" dirty="0"/>
-              <a:t>- Товары, доступные для просмотра и покупки</a:t>
+              <a:t>- Реализация хранения и вывода информации о товарах, доступных для покупки</a:t>
             </a:r>
             <a:br>
               <a:rPr lang="ru-RU" dirty="0"/>
@@ -3690,6 +3685,13 @@
             <a:r>
               <a:rPr lang="ru-RU" dirty="0"/>
               <a:t>- Авторизация по ролям: пользователь и администратор</a:t>
+            </a:r>
+            <a:br>
+              <a:rPr lang="ru-RU" dirty="0"/>
+            </a:br>
+            <a:r>
+              <a:rPr lang="ru-RU" dirty="0"/>
+              <a:t>- Возможность регистрации новых пользователей</a:t>
             </a:r>
             <a:br>
               <a:rPr lang="ru-RU" dirty="0"/>
@@ -3797,7 +3799,7 @@
         </p:blipFill>
         <p:spPr>
           <a:xfrm>
-            <a:off x="5906275" y="717669"/>
+            <a:off x="6042842" y="1027906"/>
             <a:ext cx="4276816" cy="5422662"/>
           </a:xfrm>
           <a:prstGeom prst="rect">
@@ -3829,13 +3831,83 @@
         </p:spPr>
         <p:txBody>
           <a:bodyPr>
-            <a:normAutofit/>
+            <a:normAutofit fontScale="92500" lnSpcReduction="10000"/>
           </a:bodyPr>
           <a:lstStyle/>
           <a:p>
             <a:r>
               <a:rPr lang="ru-RU" dirty="0"/>
               <a:t>База данных приложения содержит в себе 6 таблиц.</a:t>
+            </a:r>
+          </a:p>
+          <a:p>
+            <a:pPr lvl="1"/>
+            <a:r>
+              <a:rPr lang="en-US" dirty="0"/>
+              <a:t>person – </a:t>
+            </a:r>
+            <a:r>
+              <a:rPr lang="ru-RU" dirty="0"/>
+              <a:t>информация о пользователях</a:t>
+            </a:r>
+          </a:p>
+          <a:p>
+            <a:pPr lvl="1"/>
+            <a:r>
+              <a:rPr lang="en-US" dirty="0"/>
+              <a:t>product – </a:t>
+            </a:r>
+            <a:r>
+              <a:rPr lang="ru-RU" dirty="0"/>
+              <a:t>информация о товарах</a:t>
+            </a:r>
+          </a:p>
+          <a:p>
+            <a:pPr lvl="1"/>
+            <a:r>
+              <a:rPr lang="en-US" dirty="0"/>
+              <a:t>orders – </a:t>
+            </a:r>
+            <a:r>
+              <a:rPr lang="ru-RU" dirty="0"/>
+              <a:t>заказы </a:t>
+            </a:r>
+          </a:p>
+          <a:p>
+            <a:pPr lvl="1"/>
+            <a:r>
+              <a:rPr lang="en-US" dirty="0" err="1"/>
+              <a:t>product_cart</a:t>
+            </a:r>
+            <a:r>
+              <a:rPr lang="en-US" dirty="0"/>
+              <a:t> </a:t>
+            </a:r>
+            <a:r>
+              <a:rPr lang="ru-RU" dirty="0"/>
+              <a:t>– корзина </a:t>
+            </a:r>
+          </a:p>
+          <a:p>
+            <a:pPr lvl="1"/>
+            <a:r>
+              <a:rPr lang="en-US" dirty="0"/>
+              <a:t>category – </a:t>
+            </a:r>
+            <a:r>
+              <a:rPr lang="ru-RU" dirty="0"/>
+              <a:t>вспомогательная таблица с категориями товаров</a:t>
+            </a:r>
+          </a:p>
+          <a:p>
+            <a:pPr lvl="1"/>
+            <a:r>
+              <a:rPr lang="en-US" dirty="0"/>
+              <a:t>image – </a:t>
+            </a:r>
+            <a:r>
+              <a:rPr lang="ru-RU" dirty="0"/>
+              <a:t>вспомогательная таблица, содержащая ссылки на изображения, относящиеся к каждому товару.</a:t>
             </a:r>
           </a:p>
           <a:p>
@@ -3924,7 +3996,7 @@
         <p:spPr/>
         <p:txBody>
           <a:bodyPr>
-            <a:normAutofit fontScale="92500" lnSpcReduction="20000"/>
+            <a:normAutofit fontScale="77500" lnSpcReduction="20000"/>
           </a:bodyPr>
           <a:lstStyle/>
           <a:p>
@@ -3946,7 +4018,73 @@
             </a:r>
             <a:r>
               <a:rPr lang="ru-RU" dirty="0"/>
-              <a:t>– основной язык данного приложения. </a:t>
+              <a:t>– основа данного приложения. </a:t>
+            </a:r>
+          </a:p>
+          <a:p>
+            <a:r>
+              <a:rPr lang="ru-RU" dirty="0"/>
+              <a:t>Среда разработки – </a:t>
+            </a:r>
+            <a:r>
+              <a:rPr lang="en-US" dirty="0" err="1"/>
+              <a:t>Intelliji</a:t>
+            </a:r>
+            <a:r>
+              <a:rPr lang="en-US" dirty="0"/>
+              <a:t> Idea</a:t>
+            </a:r>
+            <a:r>
+              <a:rPr lang="ru-RU" dirty="0"/>
+              <a:t> и встроенный в среду сборщик проектов </a:t>
+            </a:r>
+            <a:r>
+              <a:rPr lang="en-US" dirty="0"/>
+              <a:t>Maven</a:t>
+            </a:r>
+            <a:endParaRPr lang="ru-RU" dirty="0"/>
+          </a:p>
+          <a:p>
+            <a:r>
+              <a:rPr lang="ru-RU" dirty="0"/>
+              <a:t>Подключение зависимостей обеспечено </a:t>
+            </a:r>
+            <a:r>
+              <a:rPr lang="en-US" dirty="0"/>
+              <a:t>Spring Boot</a:t>
+            </a:r>
+            <a:endParaRPr lang="ru-RU" dirty="0"/>
+          </a:p>
+          <a:p>
+            <a:r>
+              <a:rPr lang="ru-RU" dirty="0" err="1"/>
+              <a:t>Шаблонизатор</a:t>
+            </a:r>
+            <a:r>
+              <a:rPr lang="ru-RU" dirty="0"/>
+              <a:t> </a:t>
+            </a:r>
+            <a:r>
+              <a:rPr lang="en-US" dirty="0"/>
+              <a:t>Spring </a:t>
+            </a:r>
+            <a:r>
+              <a:rPr lang="en-US" dirty="0" err="1"/>
+              <a:t>Thymeleaf</a:t>
+            </a:r>
+            <a:r>
+              <a:rPr lang="ru-RU" dirty="0"/>
+              <a:t> для вывода информации пользователю</a:t>
+            </a:r>
+          </a:p>
+          <a:p>
+            <a:r>
+              <a:rPr lang="en-US" dirty="0"/>
+              <a:t>Spring Validation – </a:t>
+            </a:r>
+            <a:r>
+              <a:rPr lang="ru-RU" dirty="0"/>
+              <a:t>для валидации данных, вводимых пользователями</a:t>
             </a:r>
           </a:p>
           <a:p>
@@ -3958,49 +4096,6 @@
               <a:rPr lang="en-US" dirty="0"/>
               <a:t>Spring Security</a:t>
             </a:r>
-          </a:p>
-          <a:p>
-            <a:r>
-              <a:rPr lang="ru-RU" dirty="0" err="1"/>
-              <a:t>Шаблонизатор</a:t>
-            </a:r>
-            <a:r>
-              <a:rPr lang="ru-RU" dirty="0"/>
-              <a:t> </a:t>
-            </a:r>
-            <a:r>
-              <a:rPr lang="en-US" dirty="0"/>
-              <a:t>Spring </a:t>
-            </a:r>
-            <a:r>
-              <a:rPr lang="en-US" dirty="0" err="1"/>
-              <a:t>Thymeleaf</a:t>
-            </a:r>
-            <a:endParaRPr lang="ru-RU" dirty="0"/>
-          </a:p>
-          <a:p>
-            <a:r>
-              <a:rPr lang="ru-RU" dirty="0"/>
-              <a:t>Среда разработки – </a:t>
-            </a:r>
-            <a:r>
-              <a:rPr lang="en-US" dirty="0" err="1"/>
-              <a:t>Intelliji</a:t>
-            </a:r>
-            <a:r>
-              <a:rPr lang="en-US" dirty="0"/>
-              <a:t> Idea</a:t>
-            </a:r>
-          </a:p>
-          <a:p>
-            <a:r>
-              <a:rPr lang="ru-RU" dirty="0"/>
-              <a:t>Проект собирается при помощи сборщика пакетов </a:t>
-            </a:r>
-            <a:r>
-              <a:rPr lang="en-US" dirty="0"/>
-              <a:t>Maven</a:t>
-            </a:r>
             <a:endParaRPr lang="ru-RU" dirty="0"/>
           </a:p>
           <a:p>
@@ -4017,6 +4112,25 @@
           <a:p>
             <a:r>
               <a:rPr lang="ru-RU" dirty="0"/>
+              <a:t>Связь приложения и базы данных обеспечивается при помощи</a:t>
+            </a:r>
+            <a:r>
+              <a:rPr lang="en-US" dirty="0"/>
+              <a:t> Spring Data JPA </a:t>
+            </a:r>
+            <a:r>
+              <a:rPr lang="ru-RU" dirty="0"/>
+              <a:t>и библиотеки </a:t>
+            </a:r>
+            <a:r>
+              <a:rPr lang="en-US" dirty="0"/>
+              <a:t>Hibernate</a:t>
+            </a:r>
+            <a:endParaRPr lang="ru-RU" dirty="0"/>
+          </a:p>
+          <a:p>
+            <a:r>
+              <a:rPr lang="ru-RU" dirty="0"/>
               <a:t>Система контроля версий </a:t>
             </a:r>
             <a:r>
@@ -4057,13 +4171,6 @@
             <a:r>
               <a:rPr lang="en-US" dirty="0"/>
               <a:t> CSS</a:t>
-            </a:r>
-            <a:endParaRPr lang="ru-RU" dirty="0"/>
-          </a:p>
-          <a:p>
-            <a:r>
-              <a:rPr lang="en-US"/>
-              <a:t>Spring Hibernate</a:t>
             </a:r>
             <a:endParaRPr lang="ru-RU" dirty="0"/>
           </a:p>
@@ -4129,10 +4236,92 @@
       </p:sp>
       <p:pic>
         <p:nvPicPr>
-          <p:cNvPr id="4" name="Рисунок 3">
-            <a:extLst>
-              <a:ext uri="{FF2B5EF4-FFF2-40B4-BE49-F238E27FC236}">
-                <a16:creationId xmlns:a16="http://schemas.microsoft.com/office/drawing/2014/main" id="{09E6BF64-0D3D-4DE0-A527-673A455ED31F}"/>
+          <p:cNvPr id="6" name="Рисунок 5">
+            <a:extLst>
+              <a:ext uri="{FF2B5EF4-FFF2-40B4-BE49-F238E27FC236}">
+                <a16:creationId xmlns:a16="http://schemas.microsoft.com/office/drawing/2014/main" id="{00133555-0F86-4B14-9B4D-517DAA70F5A7}"/>
+              </a:ext>
+            </a:extLst>
+          </p:cNvPr>
+          <p:cNvPicPr>
+            <a:picLocks noChangeAspect="1"/>
+          </p:cNvPicPr>
+          <p:nvPr/>
+        </p:nvPicPr>
+        <p:blipFill rotWithShape="1">
+          <a:blip r:embed="rId2"/>
+          <a:srcRect b="3074"/>
+          <a:stretch/>
+        </p:blipFill>
+        <p:spPr>
+          <a:xfrm>
+            <a:off x="9215252" y="1903648"/>
+            <a:ext cx="2468825" cy="4589227"/>
+          </a:xfrm>
+          <a:prstGeom prst="rect">
+            <a:avLst/>
+          </a:prstGeom>
+        </p:spPr>
+      </p:pic>
+      <p:sp>
+        <p:nvSpPr>
+          <p:cNvPr id="7" name="Объект 2">
+            <a:extLst>
+              <a:ext uri="{FF2B5EF4-FFF2-40B4-BE49-F238E27FC236}">
+                <a16:creationId xmlns:a16="http://schemas.microsoft.com/office/drawing/2014/main" id="{453DE93A-8DBC-460C-A9D0-B8BA9C2F533C}"/>
+              </a:ext>
+            </a:extLst>
+          </p:cNvPr>
+          <p:cNvSpPr>
+            <a:spLocks noGrp="1"/>
+          </p:cNvSpPr>
+          <p:nvPr>
+            <p:ph idx="1"/>
+          </p:nvPr>
+        </p:nvSpPr>
+        <p:spPr>
+          <a:xfrm>
+            <a:off x="838200" y="1825625"/>
+            <a:ext cx="8442064" cy="2188235"/>
+          </a:xfrm>
+        </p:spPr>
+        <p:txBody>
+          <a:bodyPr>
+            <a:normAutofit fontScale="77500" lnSpcReduction="20000"/>
+          </a:bodyPr>
+          <a:lstStyle/>
+          <a:p>
+            <a:r>
+              <a:rPr lang="ru-RU" dirty="0"/>
+              <a:t>Реализовано веб-приложение с функционалом маркетплейса.</a:t>
+            </a:r>
+          </a:p>
+          <a:p>
+            <a:r>
+              <a:rPr lang="ru-RU" dirty="0"/>
+              <a:t>Неавторизованному пользователю доступен просмотр товаров, регистрация и авторизация.</a:t>
+            </a:r>
+          </a:p>
+          <a:p>
+            <a:r>
+              <a:rPr lang="ru-RU" dirty="0"/>
+              <a:t>Авторизованному пользователю доступен просмотр и покупка товаров, корзина, а также просмотр уже сделанных заказов.</a:t>
+            </a:r>
+          </a:p>
+          <a:p>
+            <a:r>
+              <a:rPr lang="ru-RU" dirty="0"/>
+              <a:t>Администратор может создавать, редактировать и удалять товары, реализован вывод полного списка товаров в админ-панель.</a:t>
+            </a:r>
+          </a:p>
+        </p:txBody>
+      </p:sp>
+      <p:pic>
+        <p:nvPicPr>
+          <p:cNvPr id="8" name="Рисунок 7">
+            <a:extLst>
+              <a:ext uri="{FF2B5EF4-FFF2-40B4-BE49-F238E27FC236}">
+                <a16:creationId xmlns:a16="http://schemas.microsoft.com/office/drawing/2014/main" id="{327D87AB-04E7-46CC-855B-83CFCB207789}"/>
               </a:ext>
             </a:extLst>
           </p:cNvPr>
@@ -4142,15 +4331,15 @@
           <p:nvPr/>
         </p:nvPicPr>
         <p:blipFill>
-          <a:blip r:embed="rId2"/>
+          <a:blip r:embed="rId3"/>
           <a:stretch>
             <a:fillRect/>
           </a:stretch>
         </p:blipFill>
         <p:spPr>
           <a:xfrm>
-            <a:off x="838201" y="1516063"/>
-            <a:ext cx="4562094" cy="2938174"/>
+            <a:off x="1156779" y="4054771"/>
+            <a:ext cx="3785637" cy="2438104"/>
           </a:xfrm>
           <a:prstGeom prst="rect">
             <a:avLst/>
@@ -4159,10 +4348,10 @@
       </p:pic>
       <p:pic>
         <p:nvPicPr>
-          <p:cNvPr id="5" name="Рисунок 4">
-            <a:extLst>
-              <a:ext uri="{FF2B5EF4-FFF2-40B4-BE49-F238E27FC236}">
-                <a16:creationId xmlns:a16="http://schemas.microsoft.com/office/drawing/2014/main" id="{485B6FDF-87DC-45DE-A5EB-BA989DFD9ABD}"/>
+          <p:cNvPr id="9" name="Рисунок 8">
+            <a:extLst>
+              <a:ext uri="{FF2B5EF4-FFF2-40B4-BE49-F238E27FC236}">
+                <a16:creationId xmlns:a16="http://schemas.microsoft.com/office/drawing/2014/main" id="{21C5D218-B56C-41E7-83E5-011B78CD708E}"/>
               </a:ext>
             </a:extLst>
           </p:cNvPr>
@@ -4172,44 +4361,14 @@
           <p:nvPr/>
         </p:nvPicPr>
         <p:blipFill rotWithShape="1">
-          <a:blip r:embed="rId3"/>
+          <a:blip r:embed="rId4"/>
           <a:srcRect b="24139"/>
           <a:stretch/>
         </p:blipFill>
         <p:spPr>
           <a:xfrm>
-            <a:off x="5458690" y="1516063"/>
-            <a:ext cx="3025010" cy="4095028"/>
-          </a:xfrm>
-          <a:prstGeom prst="rect">
-            <a:avLst/>
-          </a:prstGeom>
-        </p:spPr>
-      </p:pic>
-      <p:pic>
-        <p:nvPicPr>
-          <p:cNvPr id="6" name="Рисунок 5">
-            <a:extLst>
-              <a:ext uri="{FF2B5EF4-FFF2-40B4-BE49-F238E27FC236}">
-                <a16:creationId xmlns:a16="http://schemas.microsoft.com/office/drawing/2014/main" id="{00133555-0F86-4B14-9B4D-517DAA70F5A7}"/>
-              </a:ext>
-            </a:extLst>
-          </p:cNvPr>
-          <p:cNvPicPr>
-            <a:picLocks noChangeAspect="1"/>
-          </p:cNvPicPr>
-          <p:nvPr/>
-        </p:nvPicPr>
-        <p:blipFill>
-          <a:blip r:embed="rId4"/>
-          <a:stretch>
-            <a:fillRect/>
-          </a:stretch>
-        </p:blipFill>
-        <p:spPr>
-          <a:xfrm>
-            <a:off x="8813627" y="844189"/>
-            <a:ext cx="2835910" cy="5438775"/>
+            <a:off x="6195712" y="4054770"/>
+            <a:ext cx="1801035" cy="2438104"/>
           </a:xfrm>
           <a:prstGeom prst="rect">
             <a:avLst/>
@@ -4219,7 +4378,7 @@
     </p:spTree>
     <p:extLst>
       <p:ext uri="{BB962C8B-B14F-4D97-AF65-F5344CB8AC3E}">
-        <p14:creationId xmlns:p14="http://schemas.microsoft.com/office/powerpoint/2010/main" val="1120880295"/>
+        <p14:creationId xmlns:p14="http://schemas.microsoft.com/office/powerpoint/2010/main" val="4060026523"/>
       </p:ext>
     </p:extLst>
   </p:cSld>
@@ -4290,12 +4449,63 @@
             <p:ph idx="1"/>
           </p:nvPr>
         </p:nvSpPr>
-        <p:spPr/>
-        <p:txBody>
-          <a:bodyPr/>
-          <a:lstStyle/>
-          <a:p>
-            <a:endParaRPr lang="ru-RU"/>
+        <p:spPr>
+          <a:xfrm>
+            <a:off x="838200" y="1825625"/>
+            <a:ext cx="10515600" cy="2829502"/>
+          </a:xfrm>
+        </p:spPr>
+        <p:txBody>
+          <a:bodyPr/>
+          <a:lstStyle/>
+          <a:p>
+            <a:r>
+              <a:rPr lang="ru-RU" dirty="0"/>
+              <a:t>В данной работе была реализована основа веб-приложения-маркетплейса. Дальнейшее развитие проекта будет включать </a:t>
+            </a:r>
+            <a:br>
+              <a:rPr lang="ru-RU" dirty="0"/>
+            </a:br>
+            <a:r>
+              <a:rPr lang="ru-RU" dirty="0"/>
+              <a:t>в себя:</a:t>
+            </a:r>
+          </a:p>
+          <a:p>
+            <a:pPr lvl="1"/>
+            <a:r>
+              <a:rPr lang="ru-RU" dirty="0"/>
+              <a:t>Реализацию </a:t>
+            </a:r>
+            <a:r>
+              <a:rPr lang="ru-RU" dirty="0" err="1"/>
+              <a:t>фронтенд</a:t>
+            </a:r>
+            <a:r>
+              <a:rPr lang="ru-RU" dirty="0"/>
+              <a:t>-части</a:t>
+            </a:r>
+          </a:p>
+          <a:p>
+            <a:pPr lvl="1"/>
+            <a:r>
+              <a:rPr lang="ru-RU" dirty="0"/>
+              <a:t>Организацию управления заказами и базой данных пользователей </a:t>
+            </a:r>
+            <a:br>
+              <a:rPr lang="ru-RU" dirty="0"/>
+            </a:br>
+            <a:r>
+              <a:rPr lang="ru-RU" dirty="0"/>
+              <a:t>из кабинета администратора</a:t>
+            </a:r>
+          </a:p>
+          <a:p>
+            <a:pPr lvl="1"/>
+            <a:r>
+              <a:rPr lang="ru-RU" dirty="0"/>
+              <a:t>Обеспечение работы с наличием товара у поставщиков</a:t>
+            </a:r>
           </a:p>
         </p:txBody>
       </p:sp>
@@ -4303,6 +4513,89 @@
     <p:extLst>
       <p:ext uri="{BB962C8B-B14F-4D97-AF65-F5344CB8AC3E}">
         <p14:creationId xmlns:p14="http://schemas.microsoft.com/office/powerpoint/2010/main" val="1099399996"/>
+      </p:ext>
+    </p:extLst>
+  </p:cSld>
+  <p:clrMapOvr>
+    <a:masterClrMapping/>
+  </p:clrMapOvr>
+</p:sld>
+</file>
+
+<file path=ppt/slides/slide7.xml><?xml version="1.0" encoding="utf-8"?>
+<p:sld xmlns:a="http://schemas.openxmlformats.org/drawingml/2006/main" xmlns:r="http://schemas.openxmlformats.org/officeDocument/2006/relationships" xmlns:p="http://schemas.openxmlformats.org/presentationml/2006/main">
+  <p:cSld>
+    <p:spTree>
+      <p:nvGrpSpPr>
+        <p:cNvPr id="1" name=""/>
+        <p:cNvGrpSpPr/>
+        <p:nvPr/>
+      </p:nvGrpSpPr>
+      <p:grpSpPr>
+        <a:xfrm>
+          <a:off x="0" y="0"/>
+          <a:ext cx="0" cy="0"/>
+          <a:chOff x="0" y="0"/>
+          <a:chExt cx="0" cy="0"/>
+        </a:xfrm>
+      </p:grpSpPr>
+      <p:sp>
+        <p:nvSpPr>
+          <p:cNvPr id="4" name="Заголовок 3">
+            <a:extLst>
+              <a:ext uri="{FF2B5EF4-FFF2-40B4-BE49-F238E27FC236}">
+                <a16:creationId xmlns:a16="http://schemas.microsoft.com/office/drawing/2014/main" id="{8F46408B-4BAA-4FE4-BB4E-9DDC605AA3FA}"/>
+              </a:ext>
+            </a:extLst>
+          </p:cNvPr>
+          <p:cNvSpPr>
+            <a:spLocks noGrp="1"/>
+          </p:cNvSpPr>
+          <p:nvPr>
+            <p:ph type="ctrTitle"/>
+          </p:nvPr>
+        </p:nvSpPr>
+        <p:spPr/>
+        <p:txBody>
+          <a:bodyPr/>
+          <a:lstStyle/>
+          <a:p>
+            <a:r>
+              <a:rPr lang="ru-RU" dirty="0"/>
+              <a:t>Спасибо за внимание!</a:t>
+            </a:r>
+          </a:p>
+        </p:txBody>
+      </p:sp>
+      <p:sp>
+        <p:nvSpPr>
+          <p:cNvPr id="5" name="Подзаголовок 4">
+            <a:extLst>
+              <a:ext uri="{FF2B5EF4-FFF2-40B4-BE49-F238E27FC236}">
+                <a16:creationId xmlns:a16="http://schemas.microsoft.com/office/drawing/2014/main" id="{77F555E1-B8FA-44A0-8062-7BDF8BC2CD40}"/>
+              </a:ext>
+            </a:extLst>
+          </p:cNvPr>
+          <p:cNvSpPr>
+            <a:spLocks noGrp="1"/>
+          </p:cNvSpPr>
+          <p:nvPr>
+            <p:ph type="subTitle" idx="1"/>
+          </p:nvPr>
+        </p:nvSpPr>
+        <p:spPr/>
+        <p:txBody>
+          <a:bodyPr/>
+          <a:lstStyle/>
+          <a:p>
+            <a:endParaRPr lang="ru-RU"/>
+          </a:p>
+        </p:txBody>
+      </p:sp>
+    </p:spTree>
+    <p:extLst>
+      <p:ext uri="{BB962C8B-B14F-4D97-AF65-F5344CB8AC3E}">
+        <p14:creationId xmlns:p14="http://schemas.microsoft.com/office/powerpoint/2010/main" val="2865449457"/>
       </p:ext>
     </p:extLst>
   </p:cSld>
